--- a/商管程式設計 期末.pptx
+++ b/商管程式設計 期末.pptx
@@ -267,7 +267,7 @@
           <a:p>
             <a:fld id="{9B52DE4A-52B8-420C-9743-5E119E6C5FF6}" type="datetimeFigureOut">
               <a:rPr lang="zh-TW" altLang="en-US" smtClean="0"/>
-              <a:t>2020/12/25</a:t>
+              <a:t>2020/12/27</a:t>
             </a:fld>
             <a:endParaRPr lang="zh-TW" altLang="en-US"/>
           </a:p>
@@ -465,7 +465,7 @@
           <a:p>
             <a:fld id="{9B52DE4A-52B8-420C-9743-5E119E6C5FF6}" type="datetimeFigureOut">
               <a:rPr lang="zh-TW" altLang="en-US" smtClean="0"/>
-              <a:t>2020/12/25</a:t>
+              <a:t>2020/12/27</a:t>
             </a:fld>
             <a:endParaRPr lang="zh-TW" altLang="en-US"/>
           </a:p>
@@ -673,7 +673,7 @@
           <a:p>
             <a:fld id="{9B52DE4A-52B8-420C-9743-5E119E6C5FF6}" type="datetimeFigureOut">
               <a:rPr lang="zh-TW" altLang="en-US" smtClean="0"/>
-              <a:t>2020/12/25</a:t>
+              <a:t>2020/12/27</a:t>
             </a:fld>
             <a:endParaRPr lang="zh-TW" altLang="en-US"/>
           </a:p>
@@ -871,7 +871,7 @@
           <a:p>
             <a:fld id="{9B52DE4A-52B8-420C-9743-5E119E6C5FF6}" type="datetimeFigureOut">
               <a:rPr lang="zh-TW" altLang="en-US" smtClean="0"/>
-              <a:t>2020/12/25</a:t>
+              <a:t>2020/12/27</a:t>
             </a:fld>
             <a:endParaRPr lang="zh-TW" altLang="en-US"/>
           </a:p>
@@ -1146,7 +1146,7 @@
           <a:p>
             <a:fld id="{9B52DE4A-52B8-420C-9743-5E119E6C5FF6}" type="datetimeFigureOut">
               <a:rPr lang="zh-TW" altLang="en-US" smtClean="0"/>
-              <a:t>2020/12/25</a:t>
+              <a:t>2020/12/27</a:t>
             </a:fld>
             <a:endParaRPr lang="zh-TW" altLang="en-US"/>
           </a:p>
@@ -1411,7 +1411,7 @@
           <a:p>
             <a:fld id="{9B52DE4A-52B8-420C-9743-5E119E6C5FF6}" type="datetimeFigureOut">
               <a:rPr lang="zh-TW" altLang="en-US" smtClean="0"/>
-              <a:t>2020/12/25</a:t>
+              <a:t>2020/12/27</a:t>
             </a:fld>
             <a:endParaRPr lang="zh-TW" altLang="en-US"/>
           </a:p>
@@ -1823,7 +1823,7 @@
           <a:p>
             <a:fld id="{9B52DE4A-52B8-420C-9743-5E119E6C5FF6}" type="datetimeFigureOut">
               <a:rPr lang="zh-TW" altLang="en-US" smtClean="0"/>
-              <a:t>2020/12/25</a:t>
+              <a:t>2020/12/27</a:t>
             </a:fld>
             <a:endParaRPr lang="zh-TW" altLang="en-US"/>
           </a:p>
@@ -1964,7 +1964,7 @@
           <a:p>
             <a:fld id="{9B52DE4A-52B8-420C-9743-5E119E6C5FF6}" type="datetimeFigureOut">
               <a:rPr lang="zh-TW" altLang="en-US" smtClean="0"/>
-              <a:t>2020/12/25</a:t>
+              <a:t>2020/12/27</a:t>
             </a:fld>
             <a:endParaRPr lang="zh-TW" altLang="en-US"/>
           </a:p>
@@ -2077,7 +2077,7 @@
           <a:p>
             <a:fld id="{9B52DE4A-52B8-420C-9743-5E119E6C5FF6}" type="datetimeFigureOut">
               <a:rPr lang="zh-TW" altLang="en-US" smtClean="0"/>
-              <a:t>2020/12/25</a:t>
+              <a:t>2020/12/27</a:t>
             </a:fld>
             <a:endParaRPr lang="zh-TW" altLang="en-US"/>
           </a:p>
@@ -2388,7 +2388,7 @@
           <a:p>
             <a:fld id="{9B52DE4A-52B8-420C-9743-5E119E6C5FF6}" type="datetimeFigureOut">
               <a:rPr lang="zh-TW" altLang="en-US" smtClean="0"/>
-              <a:t>2020/12/25</a:t>
+              <a:t>2020/12/27</a:t>
             </a:fld>
             <a:endParaRPr lang="zh-TW" altLang="en-US"/>
           </a:p>
@@ -2676,7 +2676,7 @@
           <a:p>
             <a:fld id="{9B52DE4A-52B8-420C-9743-5E119E6C5FF6}" type="datetimeFigureOut">
               <a:rPr lang="zh-TW" altLang="en-US" smtClean="0"/>
-              <a:t>2020/12/25</a:t>
+              <a:t>2020/12/27</a:t>
             </a:fld>
             <a:endParaRPr lang="zh-TW" altLang="en-US"/>
           </a:p>
@@ -2917,7 +2917,7 @@
           <a:p>
             <a:fld id="{9B52DE4A-52B8-420C-9743-5E119E6C5FF6}" type="datetimeFigureOut">
               <a:rPr lang="zh-TW" altLang="en-US" smtClean="0"/>
-              <a:t>2020/12/25</a:t>
+              <a:t>2020/12/27</a:t>
             </a:fld>
             <a:endParaRPr lang="zh-TW" altLang="en-US"/>
           </a:p>
@@ -4243,7 +4243,7 @@
           <p:nvPr/>
         </p:nvPicPr>
         <p:blipFill>
-          <a:blip r:embed="rId3">
+          <a:blip r:embed="rId3" cstate="hqprint">
             <a:extLst>
               <a:ext uri="{28A0092B-C50C-407E-A947-70E740481C1C}">
                 <a14:useLocalDpi xmlns:a14="http://schemas.microsoft.com/office/drawing/2010/main" val="0"/>
@@ -4279,7 +4279,7 @@
           <p:nvPr/>
         </p:nvPicPr>
         <p:blipFill>
-          <a:blip r:embed="rId4">
+          <a:blip r:embed="rId4" cstate="hqprint">
             <a:extLst>
               <a:ext uri="{28A0092B-C50C-407E-A947-70E740481C1C}">
                 <a14:useLocalDpi xmlns:a14="http://schemas.microsoft.com/office/drawing/2010/main" val="0"/>
@@ -4315,7 +4315,7 @@
           <p:nvPr/>
         </p:nvPicPr>
         <p:blipFill>
-          <a:blip r:embed="rId5">
+          <a:blip r:embed="rId5" cstate="hqprint">
             <a:extLst>
               <a:ext uri="{28A0092B-C50C-407E-A947-70E740481C1C}">
                 <a14:useLocalDpi xmlns:a14="http://schemas.microsoft.com/office/drawing/2010/main" val="0"/>
@@ -4351,7 +4351,7 @@
           <p:nvPr/>
         </p:nvPicPr>
         <p:blipFill>
-          <a:blip r:embed="rId6">
+          <a:blip r:embed="rId6" cstate="hqprint">
             <a:extLst>
               <a:ext uri="{28A0092B-C50C-407E-A947-70E740481C1C}">
                 <a14:useLocalDpi xmlns:a14="http://schemas.microsoft.com/office/drawing/2010/main" val="0"/>
@@ -4387,7 +4387,7 @@
           <p:nvPr/>
         </p:nvPicPr>
         <p:blipFill>
-          <a:blip r:embed="rId7">
+          <a:blip r:embed="rId7" cstate="hqprint">
             <a:extLst>
               <a:ext uri="{28A0092B-C50C-407E-A947-70E740481C1C}">
                 <a14:useLocalDpi xmlns:a14="http://schemas.microsoft.com/office/drawing/2010/main" val="0"/>
@@ -6011,6 +6011,351 @@
           </a:p>
         </p:txBody>
       </p:sp>
+      <p:sp>
+        <p:nvSpPr>
+          <p:cNvPr id="3" name="矩形 2">
+            <a:extLst>
+              <a:ext uri="{FF2B5EF4-FFF2-40B4-BE49-F238E27FC236}">
+                <a16:creationId xmlns:a16="http://schemas.microsoft.com/office/drawing/2014/main" id="{EE5CFD4C-AB94-4145-B422-EBA955F5562E}"/>
+              </a:ext>
+            </a:extLst>
+          </p:cNvPr>
+          <p:cNvSpPr/>
+          <p:nvPr/>
+        </p:nvSpPr>
+        <p:spPr>
+          <a:xfrm>
+            <a:off x="885824" y="1832752"/>
+            <a:ext cx="4306378" cy="695763"/>
+          </a:xfrm>
+          <a:prstGeom prst="rect">
+            <a:avLst/>
+          </a:prstGeom>
+          <a:noFill/>
+          <a:ln w="19050">
+            <a:solidFill>
+              <a:srgbClr val="776B54"/>
+            </a:solidFill>
+          </a:ln>
+          <a:effectLst>
+            <a:glow rad="139700">
+              <a:schemeClr val="accent3">
+                <a:satMod val="175000"/>
+                <a:alpha val="40000"/>
+              </a:schemeClr>
+            </a:glow>
+          </a:effectLst>
+        </p:spPr>
+        <p:style>
+          <a:lnRef idx="2">
+            <a:schemeClr val="accent1">
+              <a:shade val="50000"/>
+            </a:schemeClr>
+          </a:lnRef>
+          <a:fillRef idx="1">
+            <a:schemeClr val="accent1"/>
+          </a:fillRef>
+          <a:effectRef idx="0">
+            <a:schemeClr val="accent1"/>
+          </a:effectRef>
+          <a:fontRef idx="minor">
+            <a:schemeClr val="lt1"/>
+          </a:fontRef>
+        </p:style>
+        <p:txBody>
+          <a:bodyPr rtlCol="0" anchor="ctr"/>
+          <a:lstStyle/>
+          <a:p>
+            <a:pPr algn="ctr"/>
+            <a:r>
+              <a:rPr lang="zh-TW" altLang="en-US" sz="2400" dirty="0">
+                <a:solidFill>
+                  <a:srgbClr val="776B54"/>
+                </a:solidFill>
+                <a:latin typeface="文鼎中鋼筆行楷" panose="02010609010101010101" pitchFamily="49" charset="-120"/>
+                <a:ea typeface="文鼎中鋼筆行楷" panose="02010609010101010101" pitchFamily="49" charset="-120"/>
+                <a:cs typeface="文鼎中鋼筆行楷" panose="02010609010101010101" pitchFamily="49" charset="-120"/>
+              </a:rPr>
+              <a:t>根據使用者選擇判斷邊際效益</a:t>
+            </a:r>
+            <a:endParaRPr lang="zh-TW" altLang="en-US" sz="2400" dirty="0">
+              <a:solidFill>
+                <a:srgbClr val="776B54"/>
+              </a:solidFill>
+              <a:latin typeface="文鼎中鋼筆行楷" panose="02010609010101010101" pitchFamily="49" charset="-120"/>
+              <a:ea typeface="文鼎中鋼筆行楷" panose="02010609010101010101" pitchFamily="49" charset="-120"/>
+              <a:cs typeface="文鼎中鋼筆行楷" panose="02010609010101010101" pitchFamily="49" charset="-120"/>
+            </a:endParaRPr>
+          </a:p>
+        </p:txBody>
+      </p:sp>
+      <p:sp>
+        <p:nvSpPr>
+          <p:cNvPr id="5" name="矩形 4">
+            <a:extLst>
+              <a:ext uri="{FF2B5EF4-FFF2-40B4-BE49-F238E27FC236}">
+                <a16:creationId xmlns:a16="http://schemas.microsoft.com/office/drawing/2014/main" id="{EE5CFD4C-AB94-4145-B422-EBA955F5562E}"/>
+              </a:ext>
+            </a:extLst>
+          </p:cNvPr>
+          <p:cNvSpPr/>
+          <p:nvPr/>
+        </p:nvSpPr>
+        <p:spPr>
+          <a:xfrm>
+            <a:off x="885824" y="2891601"/>
+            <a:ext cx="4306378" cy="695763"/>
+          </a:xfrm>
+          <a:prstGeom prst="rect">
+            <a:avLst/>
+          </a:prstGeom>
+          <a:noFill/>
+          <a:ln w="19050">
+            <a:solidFill>
+              <a:srgbClr val="776B54"/>
+            </a:solidFill>
+          </a:ln>
+          <a:effectLst>
+            <a:glow rad="139700">
+              <a:schemeClr val="accent3">
+                <a:satMod val="175000"/>
+                <a:alpha val="40000"/>
+              </a:schemeClr>
+            </a:glow>
+          </a:effectLst>
+        </p:spPr>
+        <p:style>
+          <a:lnRef idx="2">
+            <a:schemeClr val="accent1">
+              <a:shade val="50000"/>
+            </a:schemeClr>
+          </a:lnRef>
+          <a:fillRef idx="1">
+            <a:schemeClr val="accent1"/>
+          </a:fillRef>
+          <a:effectRef idx="0">
+            <a:schemeClr val="accent1"/>
+          </a:effectRef>
+          <a:fontRef idx="minor">
+            <a:schemeClr val="lt1"/>
+          </a:fontRef>
+        </p:style>
+        <p:txBody>
+          <a:bodyPr rtlCol="0" anchor="ctr"/>
+          <a:lstStyle/>
+          <a:p>
+            <a:pPr algn="ctr"/>
+            <a:r>
+              <a:rPr lang="zh-TW" altLang="en-US" sz="2400" dirty="0">
+                <a:solidFill>
+                  <a:srgbClr val="776B54"/>
+                </a:solidFill>
+                <a:latin typeface="文鼎中鋼筆行楷" panose="02010609010101010101" pitchFamily="49" charset="-120"/>
+                <a:ea typeface="文鼎中鋼筆行楷" panose="02010609010101010101" pitchFamily="49" charset="-120"/>
+                <a:cs typeface="文鼎中鋼筆行楷" panose="02010609010101010101" pitchFamily="49" charset="-120"/>
+              </a:rPr>
+              <a:t>以</a:t>
+            </a:r>
+            <a:r>
+              <a:rPr lang="zh-TW" altLang="en-US" sz="2400" dirty="0" smtClean="0">
+                <a:solidFill>
+                  <a:srgbClr val="776B54"/>
+                </a:solidFill>
+                <a:latin typeface="文鼎中鋼筆行楷" panose="02010609010101010101" pitchFamily="49" charset="-120"/>
+                <a:ea typeface="文鼎中鋼筆行楷" panose="02010609010101010101" pitchFamily="49" charset="-120"/>
+                <a:cs typeface="文鼎中鋼筆行楷" panose="02010609010101010101" pitchFamily="49" charset="-120"/>
+              </a:rPr>
+              <a:t>邊際效益*權重做出最佳選擇</a:t>
+            </a:r>
+            <a:endParaRPr lang="zh-TW" altLang="en-US" sz="2400" dirty="0">
+              <a:solidFill>
+                <a:srgbClr val="776B54"/>
+              </a:solidFill>
+              <a:latin typeface="文鼎中鋼筆行楷" panose="02010609010101010101" pitchFamily="49" charset="-120"/>
+              <a:ea typeface="文鼎中鋼筆行楷" panose="02010609010101010101" pitchFamily="49" charset="-120"/>
+              <a:cs typeface="文鼎中鋼筆行楷" panose="02010609010101010101" pitchFamily="49" charset="-120"/>
+            </a:endParaRPr>
+          </a:p>
+        </p:txBody>
+      </p:sp>
+      <p:sp>
+        <p:nvSpPr>
+          <p:cNvPr id="6" name="矩形 5">
+            <a:extLst>
+              <a:ext uri="{FF2B5EF4-FFF2-40B4-BE49-F238E27FC236}">
+                <a16:creationId xmlns:a16="http://schemas.microsoft.com/office/drawing/2014/main" id="{EE5CFD4C-AB94-4145-B422-EBA955F5562E}"/>
+              </a:ext>
+            </a:extLst>
+          </p:cNvPr>
+          <p:cNvSpPr/>
+          <p:nvPr/>
+        </p:nvSpPr>
+        <p:spPr>
+          <a:xfrm>
+            <a:off x="885824" y="3950450"/>
+            <a:ext cx="4306378" cy="695763"/>
+          </a:xfrm>
+          <a:prstGeom prst="rect">
+            <a:avLst/>
+          </a:prstGeom>
+          <a:noFill/>
+          <a:ln w="19050">
+            <a:solidFill>
+              <a:srgbClr val="776B54"/>
+            </a:solidFill>
+          </a:ln>
+          <a:effectLst>
+            <a:glow rad="139700">
+              <a:schemeClr val="accent3">
+                <a:satMod val="175000"/>
+                <a:alpha val="40000"/>
+              </a:schemeClr>
+            </a:glow>
+          </a:effectLst>
+        </p:spPr>
+        <p:style>
+          <a:lnRef idx="2">
+            <a:schemeClr val="accent1">
+              <a:shade val="50000"/>
+            </a:schemeClr>
+          </a:lnRef>
+          <a:fillRef idx="1">
+            <a:schemeClr val="accent1"/>
+          </a:fillRef>
+          <a:effectRef idx="0">
+            <a:schemeClr val="accent1"/>
+          </a:effectRef>
+          <a:fontRef idx="minor">
+            <a:schemeClr val="lt1"/>
+          </a:fontRef>
+        </p:style>
+        <p:txBody>
+          <a:bodyPr rtlCol="0" anchor="ctr"/>
+          <a:lstStyle/>
+          <a:p>
+            <a:pPr algn="ctr"/>
+            <a:r>
+              <a:rPr lang="zh-TW" altLang="en-US" sz="2400" dirty="0">
+                <a:solidFill>
+                  <a:srgbClr val="776B54"/>
+                </a:solidFill>
+                <a:latin typeface="文鼎中鋼筆行楷" panose="02010609010101010101" pitchFamily="49" charset="-120"/>
+                <a:ea typeface="文鼎中鋼筆行楷" panose="02010609010101010101" pitchFamily="49" charset="-120"/>
+                <a:cs typeface="文鼎中鋼筆行楷" panose="02010609010101010101" pitchFamily="49" charset="-120"/>
+              </a:rPr>
+              <a:t>選擇上課或</a:t>
+            </a:r>
+            <a:r>
+              <a:rPr lang="zh-TW" altLang="en-US" sz="2400" dirty="0" smtClean="0">
+                <a:solidFill>
+                  <a:srgbClr val="776B54"/>
+                </a:solidFill>
+                <a:latin typeface="文鼎中鋼筆行楷" panose="02010609010101010101" pitchFamily="49" charset="-120"/>
+                <a:ea typeface="文鼎中鋼筆行楷" panose="02010609010101010101" pitchFamily="49" charset="-120"/>
+                <a:cs typeface="文鼎中鋼筆行楷" panose="02010609010101010101" pitchFamily="49" charset="-120"/>
+              </a:rPr>
+              <a:t>讀書機會成本低</a:t>
+            </a:r>
+            <a:r>
+              <a:rPr lang="zh-TW" altLang="en-US" sz="2400" dirty="0">
+                <a:solidFill>
+                  <a:srgbClr val="776B54"/>
+                </a:solidFill>
+                <a:latin typeface="文鼎中鋼筆行楷" panose="02010609010101010101" pitchFamily="49" charset="-120"/>
+                <a:ea typeface="文鼎中鋼筆行楷" panose="02010609010101010101" pitchFamily="49" charset="-120"/>
+                <a:cs typeface="文鼎中鋼筆行楷" panose="02010609010101010101" pitchFamily="49" charset="-120"/>
+              </a:rPr>
+              <a:t>者</a:t>
+            </a:r>
+            <a:endParaRPr lang="zh-TW" altLang="en-US" sz="2400" dirty="0">
+              <a:solidFill>
+                <a:srgbClr val="776B54"/>
+              </a:solidFill>
+              <a:latin typeface="文鼎中鋼筆行楷" panose="02010609010101010101" pitchFamily="49" charset="-120"/>
+              <a:ea typeface="文鼎中鋼筆行楷" panose="02010609010101010101" pitchFamily="49" charset="-120"/>
+              <a:cs typeface="文鼎中鋼筆行楷" panose="02010609010101010101" pitchFamily="49" charset="-120"/>
+            </a:endParaRPr>
+          </a:p>
+        </p:txBody>
+      </p:sp>
+      <p:sp>
+        <p:nvSpPr>
+          <p:cNvPr id="8" name="矩形 7">
+            <a:extLst>
+              <a:ext uri="{FF2B5EF4-FFF2-40B4-BE49-F238E27FC236}">
+                <a16:creationId xmlns:a16="http://schemas.microsoft.com/office/drawing/2014/main" id="{EE5CFD4C-AB94-4145-B422-EBA955F5562E}"/>
+              </a:ext>
+            </a:extLst>
+          </p:cNvPr>
+          <p:cNvSpPr/>
+          <p:nvPr/>
+        </p:nvSpPr>
+        <p:spPr>
+          <a:xfrm>
+            <a:off x="885824" y="5009299"/>
+            <a:ext cx="4306378" cy="695763"/>
+          </a:xfrm>
+          <a:prstGeom prst="rect">
+            <a:avLst/>
+          </a:prstGeom>
+          <a:noFill/>
+          <a:ln w="19050">
+            <a:solidFill>
+              <a:srgbClr val="776B54"/>
+            </a:solidFill>
+          </a:ln>
+          <a:effectLst>
+            <a:glow rad="139700">
+              <a:schemeClr val="accent3">
+                <a:satMod val="175000"/>
+                <a:alpha val="40000"/>
+              </a:schemeClr>
+            </a:glow>
+          </a:effectLst>
+        </p:spPr>
+        <p:style>
+          <a:lnRef idx="2">
+            <a:schemeClr val="accent1">
+              <a:shade val="50000"/>
+            </a:schemeClr>
+          </a:lnRef>
+          <a:fillRef idx="1">
+            <a:schemeClr val="accent1"/>
+          </a:fillRef>
+          <a:effectRef idx="0">
+            <a:schemeClr val="accent1"/>
+          </a:effectRef>
+          <a:fontRef idx="minor">
+            <a:schemeClr val="lt1"/>
+          </a:fontRef>
+        </p:style>
+        <p:txBody>
+          <a:bodyPr rtlCol="0" anchor="ctr"/>
+          <a:lstStyle/>
+          <a:p>
+            <a:pPr algn="ctr"/>
+            <a:r>
+              <a:rPr lang="zh-TW" altLang="en-US" sz="2400" dirty="0">
+                <a:solidFill>
+                  <a:srgbClr val="776B54"/>
+                </a:solidFill>
+                <a:latin typeface="文鼎中鋼筆行楷" panose="02010609010101010101" pitchFamily="49" charset="-120"/>
+                <a:ea typeface="文鼎中鋼筆行楷" panose="02010609010101010101" pitchFamily="49" charset="-120"/>
+                <a:cs typeface="文鼎中鋼筆行楷" panose="02010609010101010101" pitchFamily="49" charset="-120"/>
+              </a:rPr>
+              <a:t>開始排列課表</a:t>
+            </a:r>
+            <a:endParaRPr lang="zh-TW" altLang="en-US" sz="2400" dirty="0">
+              <a:solidFill>
+                <a:srgbClr val="776B54"/>
+              </a:solidFill>
+              <a:latin typeface="文鼎中鋼筆行楷" panose="02010609010101010101" pitchFamily="49" charset="-120"/>
+              <a:ea typeface="文鼎中鋼筆行楷" panose="02010609010101010101" pitchFamily="49" charset="-120"/>
+              <a:cs typeface="文鼎中鋼筆行楷" panose="02010609010101010101" pitchFamily="49" charset="-120"/>
+            </a:endParaRPr>
+          </a:p>
+        </p:txBody>
+      </p:sp>
     </p:spTree>
     <p:extLst>
       <p:ext uri="{BB962C8B-B14F-4D97-AF65-F5344CB8AC3E}">
@@ -6827,6 +7172,595 @@
               </a:rPr>
               <a:t>排入讀書時間的判斷邏輯</a:t>
             </a:r>
+          </a:p>
+        </p:txBody>
+      </p:sp>
+      <p:sp>
+        <p:nvSpPr>
+          <p:cNvPr id="5" name="矩形 4">
+            <a:extLst>
+              <a:ext uri="{FF2B5EF4-FFF2-40B4-BE49-F238E27FC236}">
+                <a16:creationId xmlns:a16="http://schemas.microsoft.com/office/drawing/2014/main" id="{EE5CFD4C-AB94-4145-B422-EBA955F5562E}"/>
+              </a:ext>
+            </a:extLst>
+          </p:cNvPr>
+          <p:cNvSpPr/>
+          <p:nvPr/>
+        </p:nvSpPr>
+        <p:spPr>
+          <a:xfrm>
+            <a:off x="1073342" y="5217750"/>
+            <a:ext cx="4306378" cy="695763"/>
+          </a:xfrm>
+          <a:prstGeom prst="rect">
+            <a:avLst/>
+          </a:prstGeom>
+          <a:noFill/>
+          <a:ln w="19050">
+            <a:solidFill>
+              <a:srgbClr val="776B54"/>
+            </a:solidFill>
+          </a:ln>
+          <a:effectLst>
+            <a:glow rad="139700">
+              <a:schemeClr val="accent3">
+                <a:satMod val="175000"/>
+                <a:alpha val="40000"/>
+              </a:schemeClr>
+            </a:glow>
+          </a:effectLst>
+        </p:spPr>
+        <p:style>
+          <a:lnRef idx="2">
+            <a:schemeClr val="accent1">
+              <a:shade val="50000"/>
+            </a:schemeClr>
+          </a:lnRef>
+          <a:fillRef idx="1">
+            <a:schemeClr val="accent1"/>
+          </a:fillRef>
+          <a:effectRef idx="0">
+            <a:schemeClr val="accent1"/>
+          </a:effectRef>
+          <a:fontRef idx="minor">
+            <a:schemeClr val="lt1"/>
+          </a:fontRef>
+        </p:style>
+        <p:txBody>
+          <a:bodyPr rtlCol="0" anchor="ctr"/>
+          <a:lstStyle/>
+          <a:p>
+            <a:pPr algn="ctr"/>
+            <a:r>
+              <a:rPr lang="zh-TW" altLang="en-US" sz="2400" dirty="0">
+                <a:solidFill>
+                  <a:srgbClr val="776B54"/>
+                </a:solidFill>
+                <a:latin typeface="文鼎中鋼筆行楷" panose="02010609010101010101" pitchFamily="49" charset="-120"/>
+                <a:ea typeface="文鼎中鋼筆行楷" panose="02010609010101010101" pitchFamily="49" charset="-120"/>
+                <a:cs typeface="文鼎中鋼筆行楷" panose="02010609010101010101" pitchFamily="49" charset="-120"/>
+              </a:rPr>
+              <a:t>根據剩餘時間排入讀書時間</a:t>
+            </a:r>
+            <a:endParaRPr lang="zh-TW" altLang="en-US" sz="2400" dirty="0">
+              <a:solidFill>
+                <a:srgbClr val="776B54"/>
+              </a:solidFill>
+              <a:latin typeface="文鼎中鋼筆行楷" panose="02010609010101010101" pitchFamily="49" charset="-120"/>
+              <a:ea typeface="文鼎中鋼筆行楷" panose="02010609010101010101" pitchFamily="49" charset="-120"/>
+              <a:cs typeface="文鼎中鋼筆行楷" panose="02010609010101010101" pitchFamily="49" charset="-120"/>
+            </a:endParaRPr>
+          </a:p>
+        </p:txBody>
+      </p:sp>
+      <p:sp>
+        <p:nvSpPr>
+          <p:cNvPr id="6" name="矩形 5">
+            <a:extLst>
+              <a:ext uri="{FF2B5EF4-FFF2-40B4-BE49-F238E27FC236}">
+                <a16:creationId xmlns:a16="http://schemas.microsoft.com/office/drawing/2014/main" id="{EE5CFD4C-AB94-4145-B422-EBA955F5562E}"/>
+              </a:ext>
+            </a:extLst>
+          </p:cNvPr>
+          <p:cNvSpPr/>
+          <p:nvPr/>
+        </p:nvSpPr>
+        <p:spPr>
+          <a:xfrm>
+            <a:off x="6199946" y="2481349"/>
+            <a:ext cx="4306378" cy="695763"/>
+          </a:xfrm>
+          <a:prstGeom prst="rect">
+            <a:avLst/>
+          </a:prstGeom>
+          <a:noFill/>
+          <a:ln w="19050">
+            <a:solidFill>
+              <a:srgbClr val="776B54"/>
+            </a:solidFill>
+          </a:ln>
+          <a:effectLst>
+            <a:glow rad="139700">
+              <a:schemeClr val="accent3">
+                <a:satMod val="175000"/>
+                <a:alpha val="40000"/>
+              </a:schemeClr>
+            </a:glow>
+          </a:effectLst>
+        </p:spPr>
+        <p:style>
+          <a:lnRef idx="2">
+            <a:schemeClr val="accent1">
+              <a:shade val="50000"/>
+            </a:schemeClr>
+          </a:lnRef>
+          <a:fillRef idx="1">
+            <a:schemeClr val="accent1"/>
+          </a:fillRef>
+          <a:effectRef idx="0">
+            <a:schemeClr val="accent1"/>
+          </a:effectRef>
+          <a:fontRef idx="minor">
+            <a:schemeClr val="lt1"/>
+          </a:fontRef>
+        </p:style>
+        <p:txBody>
+          <a:bodyPr rtlCol="0" anchor="ctr"/>
+          <a:lstStyle/>
+          <a:p>
+            <a:pPr algn="ctr"/>
+            <a:r>
+              <a:rPr lang="zh-TW" altLang="en-US" sz="2400" dirty="0">
+                <a:solidFill>
+                  <a:srgbClr val="776B54"/>
+                </a:solidFill>
+                <a:latin typeface="文鼎中鋼筆行楷" panose="02010609010101010101" pitchFamily="49" charset="-120"/>
+                <a:ea typeface="文鼎中鋼筆行楷" panose="02010609010101010101" pitchFamily="49" charset="-120"/>
+                <a:cs typeface="文鼎中鋼筆行楷" panose="02010609010101010101" pitchFamily="49" charset="-120"/>
+              </a:rPr>
+              <a:t>選擇上課或</a:t>
+            </a:r>
+            <a:r>
+              <a:rPr lang="zh-TW" altLang="en-US" sz="2400" dirty="0" smtClean="0">
+                <a:solidFill>
+                  <a:srgbClr val="776B54"/>
+                </a:solidFill>
+                <a:latin typeface="文鼎中鋼筆行楷" panose="02010609010101010101" pitchFamily="49" charset="-120"/>
+                <a:ea typeface="文鼎中鋼筆行楷" panose="02010609010101010101" pitchFamily="49" charset="-120"/>
+                <a:cs typeface="文鼎中鋼筆行楷" panose="02010609010101010101" pitchFamily="49" charset="-120"/>
+              </a:rPr>
+              <a:t>讀書機會成本低</a:t>
+            </a:r>
+            <a:r>
+              <a:rPr lang="zh-TW" altLang="en-US" sz="2400" dirty="0">
+                <a:solidFill>
+                  <a:srgbClr val="776B54"/>
+                </a:solidFill>
+                <a:latin typeface="文鼎中鋼筆行楷" panose="02010609010101010101" pitchFamily="49" charset="-120"/>
+                <a:ea typeface="文鼎中鋼筆行楷" panose="02010609010101010101" pitchFamily="49" charset="-120"/>
+                <a:cs typeface="文鼎中鋼筆行楷" panose="02010609010101010101" pitchFamily="49" charset="-120"/>
+              </a:rPr>
+              <a:t>者</a:t>
+            </a:r>
+            <a:endParaRPr lang="zh-TW" altLang="en-US" sz="2400" dirty="0">
+              <a:solidFill>
+                <a:srgbClr val="776B54"/>
+              </a:solidFill>
+              <a:latin typeface="文鼎中鋼筆行楷" panose="02010609010101010101" pitchFamily="49" charset="-120"/>
+              <a:ea typeface="文鼎中鋼筆行楷" panose="02010609010101010101" pitchFamily="49" charset="-120"/>
+              <a:cs typeface="文鼎中鋼筆行楷" panose="02010609010101010101" pitchFamily="49" charset="-120"/>
+            </a:endParaRPr>
+          </a:p>
+        </p:txBody>
+      </p:sp>
+      <p:sp>
+        <p:nvSpPr>
+          <p:cNvPr id="7" name="矩形 6">
+            <a:extLst>
+              <a:ext uri="{FF2B5EF4-FFF2-40B4-BE49-F238E27FC236}">
+                <a16:creationId xmlns:a16="http://schemas.microsoft.com/office/drawing/2014/main" id="{EE5CFD4C-AB94-4145-B422-EBA955F5562E}"/>
+              </a:ext>
+            </a:extLst>
+          </p:cNvPr>
+          <p:cNvSpPr/>
+          <p:nvPr/>
+        </p:nvSpPr>
+        <p:spPr>
+          <a:xfrm>
+            <a:off x="3395207" y="2912413"/>
+            <a:ext cx="2019631" cy="695763"/>
+          </a:xfrm>
+          <a:prstGeom prst="rect">
+            <a:avLst/>
+          </a:prstGeom>
+          <a:noFill/>
+          <a:ln w="19050">
+            <a:solidFill>
+              <a:srgbClr val="776B54"/>
+            </a:solidFill>
+          </a:ln>
+          <a:effectLst>
+            <a:glow rad="139700">
+              <a:schemeClr val="accent3">
+                <a:satMod val="175000"/>
+                <a:alpha val="40000"/>
+              </a:schemeClr>
+            </a:glow>
+          </a:effectLst>
+        </p:spPr>
+        <p:style>
+          <a:lnRef idx="2">
+            <a:schemeClr val="accent1">
+              <a:shade val="50000"/>
+            </a:schemeClr>
+          </a:lnRef>
+          <a:fillRef idx="1">
+            <a:schemeClr val="accent1"/>
+          </a:fillRef>
+          <a:effectRef idx="0">
+            <a:schemeClr val="accent1"/>
+          </a:effectRef>
+          <a:fontRef idx="minor">
+            <a:schemeClr val="lt1"/>
+          </a:fontRef>
+        </p:style>
+        <p:txBody>
+          <a:bodyPr rtlCol="0" anchor="ctr"/>
+          <a:lstStyle/>
+          <a:p>
+            <a:pPr algn="ctr"/>
+            <a:r>
+              <a:rPr lang="zh-TW" altLang="en-US" sz="2400" dirty="0" smtClean="0">
+                <a:solidFill>
+                  <a:srgbClr val="776B54"/>
+                </a:solidFill>
+                <a:latin typeface="文鼎中鋼筆行楷" panose="02010609010101010101" pitchFamily="49" charset="-120"/>
+                <a:ea typeface="文鼎中鋼筆行楷" panose="02010609010101010101" pitchFamily="49" charset="-120"/>
+                <a:cs typeface="文鼎中鋼筆行楷" panose="02010609010101010101" pitchFamily="49" charset="-120"/>
+              </a:rPr>
+              <a:t>三小時為輔</a:t>
+            </a:r>
+            <a:endParaRPr lang="zh-TW" altLang="en-US" sz="2400" dirty="0">
+              <a:solidFill>
+                <a:srgbClr val="776B54"/>
+              </a:solidFill>
+              <a:latin typeface="文鼎中鋼筆行楷" panose="02010609010101010101" pitchFamily="49" charset="-120"/>
+              <a:ea typeface="文鼎中鋼筆行楷" panose="02010609010101010101" pitchFamily="49" charset="-120"/>
+              <a:cs typeface="文鼎中鋼筆行楷" panose="02010609010101010101" pitchFamily="49" charset="-120"/>
+            </a:endParaRPr>
+          </a:p>
+        </p:txBody>
+      </p:sp>
+      <p:sp>
+        <p:nvSpPr>
+          <p:cNvPr id="8" name="矩形 7">
+            <a:extLst>
+              <a:ext uri="{FF2B5EF4-FFF2-40B4-BE49-F238E27FC236}">
+                <a16:creationId xmlns:a16="http://schemas.microsoft.com/office/drawing/2014/main" id="{EE5CFD4C-AB94-4145-B422-EBA955F5562E}"/>
+              </a:ext>
+            </a:extLst>
+          </p:cNvPr>
+          <p:cNvSpPr/>
+          <p:nvPr/>
+        </p:nvSpPr>
+        <p:spPr>
+          <a:xfrm>
+            <a:off x="1038224" y="2912414"/>
+            <a:ext cx="2015077" cy="695763"/>
+          </a:xfrm>
+          <a:prstGeom prst="rect">
+            <a:avLst/>
+          </a:prstGeom>
+          <a:noFill/>
+          <a:ln w="19050">
+            <a:solidFill>
+              <a:srgbClr val="776B54"/>
+            </a:solidFill>
+          </a:ln>
+          <a:effectLst>
+            <a:glow rad="139700">
+              <a:schemeClr val="accent3">
+                <a:satMod val="175000"/>
+                <a:alpha val="40000"/>
+              </a:schemeClr>
+            </a:glow>
+          </a:effectLst>
+        </p:spPr>
+        <p:style>
+          <a:lnRef idx="2">
+            <a:schemeClr val="accent1">
+              <a:shade val="50000"/>
+            </a:schemeClr>
+          </a:lnRef>
+          <a:fillRef idx="1">
+            <a:schemeClr val="accent1"/>
+          </a:fillRef>
+          <a:effectRef idx="0">
+            <a:schemeClr val="accent1"/>
+          </a:effectRef>
+          <a:fontRef idx="minor">
+            <a:schemeClr val="lt1"/>
+          </a:fontRef>
+        </p:style>
+        <p:txBody>
+          <a:bodyPr rtlCol="0" anchor="ctr"/>
+          <a:lstStyle/>
+          <a:p>
+            <a:pPr algn="ctr"/>
+            <a:r>
+              <a:rPr lang="zh-TW" altLang="en-US" sz="2400" dirty="0" smtClean="0">
+                <a:solidFill>
+                  <a:srgbClr val="776B54"/>
+                </a:solidFill>
+                <a:latin typeface="文鼎中鋼筆行楷" panose="02010609010101010101" pitchFamily="49" charset="-120"/>
+                <a:ea typeface="文鼎中鋼筆行楷" panose="02010609010101010101" pitchFamily="49" charset="-120"/>
+                <a:cs typeface="文鼎中鋼筆行楷" panose="02010609010101010101" pitchFamily="49" charset="-120"/>
+              </a:rPr>
+              <a:t>兩小時為主</a:t>
+            </a:r>
+            <a:endParaRPr lang="zh-TW" altLang="en-US" sz="2400" dirty="0">
+              <a:solidFill>
+                <a:srgbClr val="776B54"/>
+              </a:solidFill>
+              <a:latin typeface="文鼎中鋼筆行楷" panose="02010609010101010101" pitchFamily="49" charset="-120"/>
+              <a:ea typeface="文鼎中鋼筆行楷" panose="02010609010101010101" pitchFamily="49" charset="-120"/>
+              <a:cs typeface="文鼎中鋼筆行楷" panose="02010609010101010101" pitchFamily="49" charset="-120"/>
+            </a:endParaRPr>
+          </a:p>
+        </p:txBody>
+      </p:sp>
+      <p:sp>
+        <p:nvSpPr>
+          <p:cNvPr id="9" name="矩形 8">
+            <a:extLst>
+              <a:ext uri="{FF2B5EF4-FFF2-40B4-BE49-F238E27FC236}">
+                <a16:creationId xmlns:a16="http://schemas.microsoft.com/office/drawing/2014/main" id="{EE5CFD4C-AB94-4145-B422-EBA955F5562E}"/>
+              </a:ext>
+            </a:extLst>
+          </p:cNvPr>
+          <p:cNvSpPr/>
+          <p:nvPr/>
+        </p:nvSpPr>
+        <p:spPr>
+          <a:xfrm>
+            <a:off x="1038224" y="1785586"/>
+            <a:ext cx="4376614" cy="695763"/>
+          </a:xfrm>
+          <a:prstGeom prst="rect">
+            <a:avLst/>
+          </a:prstGeom>
+          <a:noFill/>
+          <a:ln w="19050">
+            <a:solidFill>
+              <a:srgbClr val="776B54"/>
+            </a:solidFill>
+          </a:ln>
+          <a:effectLst>
+            <a:glow rad="139700">
+              <a:schemeClr val="accent3">
+                <a:satMod val="175000"/>
+                <a:alpha val="40000"/>
+              </a:schemeClr>
+            </a:glow>
+          </a:effectLst>
+        </p:spPr>
+        <p:style>
+          <a:lnRef idx="2">
+            <a:schemeClr val="accent1">
+              <a:shade val="50000"/>
+            </a:schemeClr>
+          </a:lnRef>
+          <a:fillRef idx="1">
+            <a:schemeClr val="accent1"/>
+          </a:fillRef>
+          <a:effectRef idx="0">
+            <a:schemeClr val="accent1"/>
+          </a:effectRef>
+          <a:fontRef idx="minor">
+            <a:schemeClr val="lt1"/>
+          </a:fontRef>
+        </p:style>
+        <p:txBody>
+          <a:bodyPr rtlCol="0" anchor="ctr"/>
+          <a:lstStyle/>
+          <a:p>
+            <a:pPr algn="ctr"/>
+            <a:r>
+              <a:rPr lang="zh-TW" altLang="en-US" sz="2400" dirty="0" smtClean="0">
+                <a:solidFill>
+                  <a:srgbClr val="776B54"/>
+                </a:solidFill>
+                <a:latin typeface="文鼎中鋼筆行楷" panose="02010609010101010101" pitchFamily="49" charset="-120"/>
+                <a:ea typeface="文鼎中鋼筆行楷" panose="02010609010101010101" pitchFamily="49" charset="-120"/>
+                <a:cs typeface="文鼎中鋼筆行楷" panose="02010609010101010101" pitchFamily="49" charset="-120"/>
+              </a:rPr>
+              <a:t>原則</a:t>
+            </a:r>
+            <a:r>
+              <a:rPr lang="en-US" altLang="zh-TW" sz="2400" dirty="0" smtClean="0">
+                <a:solidFill>
+                  <a:srgbClr val="776B54"/>
+                </a:solidFill>
+                <a:latin typeface="文鼎中鋼筆行楷" panose="02010609010101010101" pitchFamily="49" charset="-120"/>
+                <a:ea typeface="文鼎中鋼筆行楷" panose="02010609010101010101" pitchFamily="49" charset="-120"/>
+                <a:cs typeface="文鼎中鋼筆行楷" panose="02010609010101010101" pitchFamily="49" charset="-120"/>
+              </a:rPr>
+              <a:t>(</a:t>
+            </a:r>
+            <a:r>
+              <a:rPr lang="zh-TW" altLang="en-US" sz="2400" dirty="0" smtClean="0">
+                <a:solidFill>
+                  <a:srgbClr val="776B54"/>
+                </a:solidFill>
+                <a:latin typeface="文鼎中鋼筆行楷" panose="02010609010101010101" pitchFamily="49" charset="-120"/>
+                <a:ea typeface="文鼎中鋼筆行楷" panose="02010609010101010101" pitchFamily="49" charset="-120"/>
+                <a:cs typeface="文鼎中鋼筆行楷" panose="02010609010101010101" pitchFamily="49" charset="-120"/>
+              </a:rPr>
+              <a:t>讀書</a:t>
+            </a:r>
+            <a:r>
+              <a:rPr lang="en-US" altLang="zh-TW" sz="2400" dirty="0" smtClean="0">
+                <a:solidFill>
+                  <a:srgbClr val="776B54"/>
+                </a:solidFill>
+                <a:latin typeface="文鼎中鋼筆行楷" panose="02010609010101010101" pitchFamily="49" charset="-120"/>
+                <a:ea typeface="文鼎中鋼筆行楷" panose="02010609010101010101" pitchFamily="49" charset="-120"/>
+                <a:cs typeface="文鼎中鋼筆行楷" panose="02010609010101010101" pitchFamily="49" charset="-120"/>
+              </a:rPr>
+              <a:t>/</a:t>
+            </a:r>
+            <a:r>
+              <a:rPr lang="zh-TW" altLang="en-US" sz="2400" dirty="0" smtClean="0">
+                <a:solidFill>
+                  <a:srgbClr val="776B54"/>
+                </a:solidFill>
+                <a:latin typeface="文鼎中鋼筆行楷" panose="02010609010101010101" pitchFamily="49" charset="-120"/>
+                <a:ea typeface="文鼎中鋼筆行楷" panose="02010609010101010101" pitchFamily="49" charset="-120"/>
+                <a:cs typeface="文鼎中鋼筆行楷" panose="02010609010101010101" pitchFamily="49" charset="-120"/>
+              </a:rPr>
+              <a:t>讀書</a:t>
+            </a:r>
+            <a:r>
+              <a:rPr lang="en-US" altLang="zh-TW" sz="2400" dirty="0" smtClean="0">
+                <a:solidFill>
+                  <a:srgbClr val="776B54"/>
+                </a:solidFill>
+                <a:latin typeface="文鼎中鋼筆行楷" panose="02010609010101010101" pitchFamily="49" charset="-120"/>
+                <a:ea typeface="文鼎中鋼筆行楷" panose="02010609010101010101" pitchFamily="49" charset="-120"/>
+                <a:cs typeface="文鼎中鋼筆行楷" panose="02010609010101010101" pitchFamily="49" charset="-120"/>
+              </a:rPr>
+              <a:t>+</a:t>
+            </a:r>
+            <a:r>
+              <a:rPr lang="zh-TW" altLang="en-US" sz="2400" dirty="0" smtClean="0">
+                <a:solidFill>
+                  <a:srgbClr val="776B54"/>
+                </a:solidFill>
+                <a:latin typeface="文鼎中鋼筆行楷" panose="02010609010101010101" pitchFamily="49" charset="-120"/>
+                <a:ea typeface="文鼎中鋼筆行楷" panose="02010609010101010101" pitchFamily="49" charset="-120"/>
+                <a:cs typeface="文鼎中鋼筆行楷" panose="02010609010101010101" pitchFamily="49" charset="-120"/>
+              </a:rPr>
+              <a:t>上課</a:t>
+            </a:r>
+            <a:r>
+              <a:rPr lang="en-US" altLang="zh-TW" sz="2400" dirty="0" smtClean="0">
+                <a:solidFill>
+                  <a:srgbClr val="776B54"/>
+                </a:solidFill>
+                <a:latin typeface="文鼎中鋼筆行楷" panose="02010609010101010101" pitchFamily="49" charset="-120"/>
+                <a:ea typeface="文鼎中鋼筆行楷" panose="02010609010101010101" pitchFamily="49" charset="-120"/>
+                <a:cs typeface="文鼎中鋼筆行楷" panose="02010609010101010101" pitchFamily="49" charset="-120"/>
+              </a:rPr>
+              <a:t>)</a:t>
+            </a:r>
+            <a:endParaRPr lang="zh-TW" altLang="en-US" sz="2400" dirty="0">
+              <a:solidFill>
+                <a:srgbClr val="776B54"/>
+              </a:solidFill>
+              <a:latin typeface="文鼎中鋼筆行楷" panose="02010609010101010101" pitchFamily="49" charset="-120"/>
+              <a:ea typeface="文鼎中鋼筆行楷" panose="02010609010101010101" pitchFamily="49" charset="-120"/>
+              <a:cs typeface="文鼎中鋼筆行楷" panose="02010609010101010101" pitchFamily="49" charset="-120"/>
+            </a:endParaRPr>
+          </a:p>
+        </p:txBody>
+      </p:sp>
+      <p:sp>
+        <p:nvSpPr>
+          <p:cNvPr id="10" name="矩形 9">
+            <a:extLst>
+              <a:ext uri="{FF2B5EF4-FFF2-40B4-BE49-F238E27FC236}">
+                <a16:creationId xmlns:a16="http://schemas.microsoft.com/office/drawing/2014/main" id="{EE5CFD4C-AB94-4145-B422-EBA955F5562E}"/>
+              </a:ext>
+            </a:extLst>
+          </p:cNvPr>
+          <p:cNvSpPr/>
+          <p:nvPr/>
+        </p:nvSpPr>
+        <p:spPr>
+          <a:xfrm>
+            <a:off x="1108460" y="4039240"/>
+            <a:ext cx="4306378" cy="695763"/>
+          </a:xfrm>
+          <a:prstGeom prst="rect">
+            <a:avLst/>
+          </a:prstGeom>
+          <a:noFill/>
+          <a:ln w="19050">
+            <a:solidFill>
+              <a:srgbClr val="776B54"/>
+            </a:solidFill>
+          </a:ln>
+          <a:effectLst>
+            <a:glow rad="139700">
+              <a:schemeClr val="accent3">
+                <a:satMod val="175000"/>
+                <a:alpha val="40000"/>
+              </a:schemeClr>
+            </a:glow>
+          </a:effectLst>
+        </p:spPr>
+        <p:style>
+          <a:lnRef idx="2">
+            <a:schemeClr val="accent1">
+              <a:shade val="50000"/>
+            </a:schemeClr>
+          </a:lnRef>
+          <a:fillRef idx="1">
+            <a:schemeClr val="accent1"/>
+          </a:fillRef>
+          <a:effectRef idx="0">
+            <a:schemeClr val="accent1"/>
+          </a:effectRef>
+          <a:fontRef idx="minor">
+            <a:schemeClr val="lt1"/>
+          </a:fontRef>
+        </p:style>
+        <p:txBody>
+          <a:bodyPr rtlCol="0" anchor="ctr"/>
+          <a:lstStyle/>
+          <a:p>
+            <a:pPr algn="ctr"/>
+            <a:r>
+              <a:rPr lang="zh-TW" altLang="en-US" sz="2400" dirty="0">
+                <a:solidFill>
+                  <a:srgbClr val="776B54"/>
+                </a:solidFill>
+                <a:latin typeface="文鼎中鋼筆行楷" panose="02010609010101010101" pitchFamily="49" charset="-120"/>
+                <a:ea typeface="文鼎中鋼筆行楷" panose="02010609010101010101" pitchFamily="49" charset="-120"/>
+                <a:cs typeface="文鼎中鋼筆行楷" panose="02010609010101010101" pitchFamily="49" charset="-120"/>
+              </a:rPr>
+              <a:t>先補</a:t>
+            </a:r>
+            <a:r>
+              <a:rPr lang="zh-TW" altLang="en-US" sz="2400" dirty="0" smtClean="0">
+                <a:solidFill>
+                  <a:srgbClr val="776B54"/>
+                </a:solidFill>
+                <a:latin typeface="文鼎中鋼筆行楷" panose="02010609010101010101" pitchFamily="49" charset="-120"/>
+                <a:ea typeface="文鼎中鋼筆行楷" panose="02010609010101010101" pitchFamily="49" charset="-120"/>
+                <a:cs typeface="文鼎中鋼筆行楷" panose="02010609010101010101" pitchFamily="49" charset="-120"/>
+              </a:rPr>
+              <a:t>滿只上一</a:t>
+            </a:r>
+            <a:r>
+              <a:rPr lang="zh-TW" altLang="en-US" sz="2400" dirty="0">
+                <a:solidFill>
+                  <a:srgbClr val="776B54"/>
+                </a:solidFill>
+                <a:latin typeface="文鼎中鋼筆行楷" panose="02010609010101010101" pitchFamily="49" charset="-120"/>
+                <a:ea typeface="文鼎中鋼筆行楷" panose="02010609010101010101" pitchFamily="49" charset="-120"/>
+                <a:cs typeface="文鼎中鋼筆行楷" panose="02010609010101010101" pitchFamily="49" charset="-120"/>
+              </a:rPr>
+              <a:t>節課者</a:t>
+            </a:r>
+            <a:endParaRPr lang="zh-TW" altLang="en-US" sz="2400" dirty="0">
+              <a:solidFill>
+                <a:srgbClr val="776B54"/>
+              </a:solidFill>
+              <a:latin typeface="文鼎中鋼筆行楷" panose="02010609010101010101" pitchFamily="49" charset="-120"/>
+              <a:ea typeface="文鼎中鋼筆行楷" panose="02010609010101010101" pitchFamily="49" charset="-120"/>
+              <a:cs typeface="文鼎中鋼筆行楷" panose="02010609010101010101" pitchFamily="49" charset="-120"/>
+            </a:endParaRPr>
           </a:p>
         </p:txBody>
       </p:sp>
